--- a/Final Demo/CIE PRESENTATION.pptx
+++ b/Final Demo/CIE PRESENTATION.pptx
@@ -43764,7 +43764,7 @@
           </a:lstStyle>
           <a:p>
             <a:fld id="{115DFAEB-95E6-4494-8575-B70943E8D9C3}" type="datetimeFigureOut">
-              <a:t>7/30/2024</a:t>
+              <a:t>8/28/2024</a:t>
             </a:fld>
             <a:endParaRPr lang="en-US"/>
           </a:p>
@@ -44281,7 +44281,7 @@
           <a:p>
             <a:fld id="{846CE7D5-CF57-46EF-B807-FDD0502418D4}" type="datetimeFigureOut">
               <a:rPr lang="en-US" smtClean="0"/>
-              <a:t>7/30/2024</a:t>
+              <a:t>8/28/2024</a:t>
             </a:fld>
             <a:endParaRPr lang="en-US"/>
           </a:p>
@@ -44449,7 +44449,7 @@
           <a:p>
             <a:fld id="{846CE7D5-CF57-46EF-B807-FDD0502418D4}" type="datetimeFigureOut">
               <a:rPr lang="en-US" smtClean="0"/>
-              <a:t>7/30/2024</a:t>
+              <a:t>8/28/2024</a:t>
             </a:fld>
             <a:endParaRPr lang="en-US"/>
           </a:p>
@@ -44627,7 +44627,7 @@
           <a:p>
             <a:fld id="{846CE7D5-CF57-46EF-B807-FDD0502418D4}" type="datetimeFigureOut">
               <a:rPr lang="en-US" smtClean="0"/>
-              <a:t>7/30/2024</a:t>
+              <a:t>8/28/2024</a:t>
             </a:fld>
             <a:endParaRPr lang="en-US"/>
           </a:p>
@@ -46179,7 +46179,7 @@
           <a:p>
             <a:fld id="{846CE7D5-CF57-46EF-B807-FDD0502418D4}" type="datetimeFigureOut">
               <a:rPr lang="en-US" smtClean="0"/>
-              <a:t>7/30/2024</a:t>
+              <a:t>8/28/2024</a:t>
             </a:fld>
             <a:endParaRPr lang="en-US"/>
           </a:p>
@@ -46424,7 +46424,7 @@
           <a:p>
             <a:fld id="{846CE7D5-CF57-46EF-B807-FDD0502418D4}" type="datetimeFigureOut">
               <a:rPr lang="en-US" smtClean="0"/>
-              <a:t>7/30/2024</a:t>
+              <a:t>8/28/2024</a:t>
             </a:fld>
             <a:endParaRPr lang="en-US"/>
           </a:p>
@@ -46653,7 +46653,7 @@
           <a:p>
             <a:fld id="{846CE7D5-CF57-46EF-B807-FDD0502418D4}" type="datetimeFigureOut">
               <a:rPr lang="en-US" smtClean="0"/>
-              <a:t>7/30/2024</a:t>
+              <a:t>8/28/2024</a:t>
             </a:fld>
             <a:endParaRPr lang="en-US"/>
           </a:p>
@@ -47017,7 +47017,7 @@
           <a:p>
             <a:fld id="{846CE7D5-CF57-46EF-B807-FDD0502418D4}" type="datetimeFigureOut">
               <a:rPr lang="en-US" smtClean="0"/>
-              <a:t>7/30/2024</a:t>
+              <a:t>8/28/2024</a:t>
             </a:fld>
             <a:endParaRPr lang="en-US"/>
           </a:p>
@@ -47134,7 +47134,7 @@
           <a:p>
             <a:fld id="{846CE7D5-CF57-46EF-B807-FDD0502418D4}" type="datetimeFigureOut">
               <a:rPr lang="en-US" smtClean="0"/>
-              <a:t>7/30/2024</a:t>
+              <a:t>8/28/2024</a:t>
             </a:fld>
             <a:endParaRPr lang="en-US"/>
           </a:p>
@@ -47229,7 +47229,7 @@
           <a:p>
             <a:fld id="{846CE7D5-CF57-46EF-B807-FDD0502418D4}" type="datetimeFigureOut">
               <a:rPr lang="en-US" smtClean="0"/>
-              <a:t>7/30/2024</a:t>
+              <a:t>8/28/2024</a:t>
             </a:fld>
             <a:endParaRPr lang="en-US"/>
           </a:p>
@@ -47504,7 +47504,7 @@
           <a:p>
             <a:fld id="{846CE7D5-CF57-46EF-B807-FDD0502418D4}" type="datetimeFigureOut">
               <a:rPr lang="en-US" smtClean="0"/>
-              <a:t>7/30/2024</a:t>
+              <a:t>8/28/2024</a:t>
             </a:fld>
             <a:endParaRPr lang="en-US"/>
           </a:p>
@@ -47759,7 +47759,7 @@
           <a:p>
             <a:fld id="{846CE7D5-CF57-46EF-B807-FDD0502418D4}" type="datetimeFigureOut">
               <a:rPr lang="en-US" smtClean="0"/>
-              <a:t>7/30/2024</a:t>
+              <a:t>8/28/2024</a:t>
             </a:fld>
             <a:endParaRPr lang="en-US"/>
           </a:p>
@@ -47977,7 +47977,7 @@
           <a:p>
             <a:fld id="{846CE7D5-CF57-46EF-B807-FDD0502418D4}" type="datetimeFigureOut">
               <a:rPr lang="en-US" smtClean="0"/>
-              <a:t>7/30/2024</a:t>
+              <a:t>8/28/2024</a:t>
             </a:fld>
             <a:endParaRPr lang="en-US"/>
           </a:p>
@@ -50635,7 +50635,7 @@
           <p:nvPr>
             <p:extLst>
               <p:ext uri="{D42A27DB-BD31-4B8C-83A1-F6EECF244321}">
-                <p14:modId xmlns:p14="http://schemas.microsoft.com/office/powerpoint/2010/main" val="2688126792"/>
+                <p14:modId xmlns:p14="http://schemas.microsoft.com/office/powerpoint/2010/main" val="4204608685"/>
               </p:ext>
             </p:extLst>
           </p:nvPr>
@@ -51057,7 +51057,7 @@
                           <a:spcPct val="100000"/>
                         </a:lnSpc>
                       </a:pPr>
-                      <a:endParaRPr lang="en-IN" sz="1800" b="0" strike="noStrike" spc="-1">
+                      <a:endParaRPr lang="en-IN" sz="1800" b="0" strike="noStrike" spc="-1" dirty="0">
                         <a:solidFill>
                           <a:srgbClr val="000000"/>
                         </a:solidFill>
@@ -51076,7 +51076,7 @@
                         </a:lnSpc>
                       </a:pPr>
                       <a:r>
-                        <a:rPr lang="en-IN" sz="1800" b="0" strike="noStrike" spc="-1">
+                        <a:rPr lang="en-IN" sz="1800" b="0" strike="noStrike" spc="-1" dirty="0">
                           <a:solidFill>
                             <a:srgbClr val="000000"/>
                           </a:solidFill>
@@ -51087,7 +51087,7 @@
                           </a:uFill>
                           <a:latin typeface="Arial"/>
                         </a:rPr>
-                        <a:t>PES1UG23CS654</a:t>
+                        <a:t>PESXUGXXCSXX</a:t>
                       </a:r>
                     </a:p>
                   </a:txBody>
@@ -51371,7 +51371,7 @@
                         <a:tabLst/>
                         <a:defRPr/>
                       </a:pPr>
-                      <a:endParaRPr lang="en-IN" sz="1800" b="0" strike="noStrike" spc="-1">
+                      <a:endParaRPr lang="en-IN" sz="1800" b="0" strike="noStrike" spc="-1" dirty="0">
                         <a:solidFill>
                           <a:srgbClr val="000000"/>
                         </a:solidFill>
@@ -51390,7 +51390,7 @@
                         </a:lnSpc>
                       </a:pPr>
                       <a:r>
-                        <a:rPr lang="en-IN" sz="1800" b="0" strike="noStrike" spc="-1">
+                        <a:rPr lang="en-IN" sz="1800" b="0" strike="noStrike" spc="-1" dirty="0">
                           <a:solidFill>
                             <a:srgbClr val="000000"/>
                           </a:solidFill>
@@ -51401,7 +51401,7 @@
                           </a:uFill>
                           <a:latin typeface="Arial"/>
                         </a:rPr>
-                        <a:t>PES1UG23CS622</a:t>
+                        <a:t>PESXUGXXCS6XX</a:t>
                       </a:r>
                     </a:p>
                   </a:txBody>
